--- a/icons.pptx
+++ b/icons.pptx
@@ -7,6 +7,7 @@
   <p:sldIdLst>
     <p:sldId id="256" r:id="rId2"/>
     <p:sldId id="257" r:id="rId3"/>
+    <p:sldId id="258" r:id="rId4"/>
   </p:sldIdLst>
   <p:sldSz cx="9144000" cy="6858000" type="screen4x3"/>
   <p:notesSz cx="6858000" cy="9144000"/>
@@ -289,7 +290,7 @@
           <a:p>
             <a:fld id="{B4C71EC6-210F-42DE-9C53-41977AD35B3D}" type="datetimeFigureOut">
               <a:rPr lang="ru-RU" smtClean="0"/>
-              <a:t>21.07.2014</a:t>
+              <a:t>10.08.2014</a:t>
             </a:fld>
             <a:endParaRPr lang="ru-RU"/>
           </a:p>
@@ -454,7 +455,7 @@
           <a:p>
             <a:fld id="{B4C71EC6-210F-42DE-9C53-41977AD35B3D}" type="datetimeFigureOut">
               <a:rPr lang="ru-RU" smtClean="0"/>
-              <a:t>21.07.2014</a:t>
+              <a:t>10.08.2014</a:t>
             </a:fld>
             <a:endParaRPr lang="ru-RU"/>
           </a:p>
@@ -629,7 +630,7 @@
           <a:p>
             <a:fld id="{B4C71EC6-210F-42DE-9C53-41977AD35B3D}" type="datetimeFigureOut">
               <a:rPr lang="ru-RU" smtClean="0"/>
-              <a:t>21.07.2014</a:t>
+              <a:t>10.08.2014</a:t>
             </a:fld>
             <a:endParaRPr lang="ru-RU"/>
           </a:p>
@@ -794,7 +795,7 @@
           <a:p>
             <a:fld id="{B4C71EC6-210F-42DE-9C53-41977AD35B3D}" type="datetimeFigureOut">
               <a:rPr lang="ru-RU" smtClean="0"/>
-              <a:t>21.07.2014</a:t>
+              <a:t>10.08.2014</a:t>
             </a:fld>
             <a:endParaRPr lang="ru-RU"/>
           </a:p>
@@ -1035,7 +1036,7 @@
           <a:p>
             <a:fld id="{B4C71EC6-210F-42DE-9C53-41977AD35B3D}" type="datetimeFigureOut">
               <a:rPr lang="ru-RU" smtClean="0"/>
-              <a:t>21.07.2014</a:t>
+              <a:t>10.08.2014</a:t>
             </a:fld>
             <a:endParaRPr lang="ru-RU"/>
           </a:p>
@@ -1318,7 +1319,7 @@
           <a:p>
             <a:fld id="{B4C71EC6-210F-42DE-9C53-41977AD35B3D}" type="datetimeFigureOut">
               <a:rPr lang="ru-RU" smtClean="0"/>
-              <a:t>21.07.2014</a:t>
+              <a:t>10.08.2014</a:t>
             </a:fld>
             <a:endParaRPr lang="ru-RU"/>
           </a:p>
@@ -1735,7 +1736,7 @@
           <a:p>
             <a:fld id="{B4C71EC6-210F-42DE-9C53-41977AD35B3D}" type="datetimeFigureOut">
               <a:rPr lang="ru-RU" smtClean="0"/>
-              <a:t>21.07.2014</a:t>
+              <a:t>10.08.2014</a:t>
             </a:fld>
             <a:endParaRPr lang="ru-RU"/>
           </a:p>
@@ -1848,7 +1849,7 @@
           <a:p>
             <a:fld id="{B4C71EC6-210F-42DE-9C53-41977AD35B3D}" type="datetimeFigureOut">
               <a:rPr lang="ru-RU" smtClean="0"/>
-              <a:t>21.07.2014</a:t>
+              <a:t>10.08.2014</a:t>
             </a:fld>
             <a:endParaRPr lang="ru-RU"/>
           </a:p>
@@ -1938,7 +1939,7 @@
           <a:p>
             <a:fld id="{B4C71EC6-210F-42DE-9C53-41977AD35B3D}" type="datetimeFigureOut">
               <a:rPr lang="ru-RU" smtClean="0"/>
-              <a:t>21.07.2014</a:t>
+              <a:t>10.08.2014</a:t>
             </a:fld>
             <a:endParaRPr lang="ru-RU"/>
           </a:p>
@@ -2210,7 +2211,7 @@
           <a:p>
             <a:fld id="{B4C71EC6-210F-42DE-9C53-41977AD35B3D}" type="datetimeFigureOut">
               <a:rPr lang="ru-RU" smtClean="0"/>
-              <a:t>21.07.2014</a:t>
+              <a:t>10.08.2014</a:t>
             </a:fld>
             <a:endParaRPr lang="ru-RU"/>
           </a:p>
@@ -2458,7 +2459,7 @@
           <a:p>
             <a:fld id="{B4C71EC6-210F-42DE-9C53-41977AD35B3D}" type="datetimeFigureOut">
               <a:rPr lang="ru-RU" smtClean="0"/>
-              <a:t>21.07.2014</a:t>
+              <a:t>10.08.2014</a:t>
             </a:fld>
             <a:endParaRPr lang="ru-RU"/>
           </a:p>
@@ -2666,7 +2667,7 @@
           <a:p>
             <a:fld id="{B4C71EC6-210F-42DE-9C53-41977AD35B3D}" type="datetimeFigureOut">
               <a:rPr lang="ru-RU" smtClean="0"/>
-              <a:t>21.07.2014</a:t>
+              <a:t>10.08.2014</a:t>
             </a:fld>
             <a:endParaRPr lang="ru-RU"/>
           </a:p>
@@ -4317,6 +4318,663 @@
     <p:extLst>
       <p:ext uri="{BB962C8B-B14F-4D97-AF65-F5344CB8AC3E}">
         <p14:creationId xmlns:p14="http://schemas.microsoft.com/office/powerpoint/2010/main" val="1041944582"/>
+      </p:ext>
+    </p:extLst>
+  </p:cSld>
+  <p:clrMapOvr>
+    <a:masterClrMapping/>
+  </p:clrMapOvr>
+  <p:timing>
+    <p:tnLst>
+      <p:par>
+        <p:cTn id="1" dur="indefinite" restart="never" nodeType="tmRoot"/>
+      </p:par>
+    </p:tnLst>
+  </p:timing>
+</p:sld>
+</file>
+
+<file path=ppt/slides/slide3.xml><?xml version="1.0" encoding="utf-8"?>
+<p:sld xmlns:a="http://schemas.openxmlformats.org/drawingml/2006/main" xmlns:r="http://schemas.openxmlformats.org/officeDocument/2006/relationships" xmlns:p="http://schemas.openxmlformats.org/presentationml/2006/main">
+  <p:cSld>
+    <p:spTree>
+      <p:nvGrpSpPr>
+        <p:cNvPr id="1" name=""/>
+        <p:cNvGrpSpPr/>
+        <p:nvPr/>
+      </p:nvGrpSpPr>
+      <p:grpSpPr>
+        <a:xfrm>
+          <a:off x="0" y="0"/>
+          <a:ext cx="0" cy="0"/>
+          <a:chOff x="0" y="0"/>
+          <a:chExt cx="0" cy="0"/>
+        </a:xfrm>
+      </p:grpSpPr>
+      <p:sp>
+        <p:nvSpPr>
+          <p:cNvPr id="4" name="Скругленный прямоугольник 3"/>
+          <p:cNvSpPr/>
+          <p:nvPr/>
+        </p:nvSpPr>
+        <p:spPr>
+          <a:xfrm>
+            <a:off x="144000" y="144000"/>
+            <a:ext cx="2160000" cy="2160000"/>
+          </a:xfrm>
+          <a:prstGeom prst="roundRect">
+            <a:avLst/>
+          </a:prstGeom>
+          <a:noFill/>
+          <a:ln w="95250">
+            <a:solidFill>
+              <a:srgbClr val="EDE9E9"/>
+            </a:solidFill>
+          </a:ln>
+        </p:spPr>
+        <p:style>
+          <a:lnRef idx="2">
+            <a:schemeClr val="accent1">
+              <a:shade val="50000"/>
+            </a:schemeClr>
+          </a:lnRef>
+          <a:fillRef idx="1">
+            <a:schemeClr val="accent1"/>
+          </a:fillRef>
+          <a:effectRef idx="0">
+            <a:schemeClr val="accent1"/>
+          </a:effectRef>
+          <a:fontRef idx="minor">
+            <a:schemeClr val="lt1"/>
+          </a:fontRef>
+        </p:style>
+        <p:txBody>
+          <a:bodyPr lIns="0" tIns="0" rIns="0" bIns="0" rtlCol="0" anchor="ctr"/>
+          <a:lstStyle/>
+          <a:p>
+            <a:pPr algn="ctr"/>
+            <a:r>
+              <a:rPr lang="en-US" sz="16600" dirty="0">
+                <a:solidFill>
+                  <a:srgbClr val="EDE9E9"/>
+                </a:solidFill>
+                <a:latin typeface="Segoe UI Light" panose="020B0502040204020203" pitchFamily="34" charset="0"/>
+                <a:cs typeface="Arial" panose="020B0604020202020204" pitchFamily="34" charset="0"/>
+              </a:rPr>
+              <a:t>0</a:t>
+            </a:r>
+            <a:endParaRPr lang="ru-RU" sz="16600" dirty="0">
+              <a:solidFill>
+                <a:srgbClr val="EDE9E9"/>
+              </a:solidFill>
+              <a:latin typeface="Segoe UI Light" panose="020B0502040204020203" pitchFamily="34" charset="0"/>
+              <a:cs typeface="Arial" panose="020B0604020202020204" pitchFamily="34" charset="0"/>
+            </a:endParaRPr>
+          </a:p>
+        </p:txBody>
+      </p:sp>
+      <p:sp>
+        <p:nvSpPr>
+          <p:cNvPr id="6" name="Скругленный прямоугольник 5"/>
+          <p:cNvSpPr/>
+          <p:nvPr/>
+        </p:nvSpPr>
+        <p:spPr>
+          <a:xfrm>
+            <a:off x="2555776" y="144000"/>
+            <a:ext cx="2160000" cy="2160000"/>
+          </a:xfrm>
+          <a:prstGeom prst="roundRect">
+            <a:avLst/>
+          </a:prstGeom>
+          <a:noFill/>
+          <a:ln w="95250">
+            <a:solidFill>
+              <a:srgbClr val="EDE9E9"/>
+            </a:solidFill>
+          </a:ln>
+        </p:spPr>
+        <p:style>
+          <a:lnRef idx="2">
+            <a:schemeClr val="accent1">
+              <a:shade val="50000"/>
+            </a:schemeClr>
+          </a:lnRef>
+          <a:fillRef idx="1">
+            <a:schemeClr val="accent1"/>
+          </a:fillRef>
+          <a:effectRef idx="0">
+            <a:schemeClr val="accent1"/>
+          </a:effectRef>
+          <a:fontRef idx="minor">
+            <a:schemeClr val="lt1"/>
+          </a:fontRef>
+        </p:style>
+        <p:txBody>
+          <a:bodyPr lIns="0" tIns="0" rIns="0" bIns="0" rtlCol="0" anchor="ctr"/>
+          <a:lstStyle/>
+          <a:p>
+            <a:pPr algn="ctr"/>
+            <a:r>
+              <a:rPr lang="en-US" sz="16600" dirty="0" smtClean="0">
+                <a:solidFill>
+                  <a:srgbClr val="EDE9E9"/>
+                </a:solidFill>
+                <a:latin typeface="Segoe UI Light" panose="020B0502040204020203" pitchFamily="34" charset="0"/>
+                <a:cs typeface="Arial" panose="020B0604020202020204" pitchFamily="34" charset="0"/>
+              </a:rPr>
+              <a:t>1</a:t>
+            </a:r>
+            <a:endParaRPr lang="ru-RU" sz="16600" dirty="0">
+              <a:solidFill>
+                <a:srgbClr val="EDE9E9"/>
+              </a:solidFill>
+              <a:latin typeface="Segoe UI Light" panose="020B0502040204020203" pitchFamily="34" charset="0"/>
+              <a:cs typeface="Arial" panose="020B0604020202020204" pitchFamily="34" charset="0"/>
+            </a:endParaRPr>
+          </a:p>
+        </p:txBody>
+      </p:sp>
+      <p:sp>
+        <p:nvSpPr>
+          <p:cNvPr id="7" name="Скругленный прямоугольник 6"/>
+          <p:cNvSpPr/>
+          <p:nvPr/>
+        </p:nvSpPr>
+        <p:spPr>
+          <a:xfrm>
+            <a:off x="4967196" y="144000"/>
+            <a:ext cx="2160000" cy="2160000"/>
+          </a:xfrm>
+          <a:prstGeom prst="roundRect">
+            <a:avLst/>
+          </a:prstGeom>
+          <a:noFill/>
+          <a:ln w="95250">
+            <a:solidFill>
+              <a:srgbClr val="EDE9E9"/>
+            </a:solidFill>
+          </a:ln>
+        </p:spPr>
+        <p:style>
+          <a:lnRef idx="2">
+            <a:schemeClr val="accent1">
+              <a:shade val="50000"/>
+            </a:schemeClr>
+          </a:lnRef>
+          <a:fillRef idx="1">
+            <a:schemeClr val="accent1"/>
+          </a:fillRef>
+          <a:effectRef idx="0">
+            <a:schemeClr val="accent1"/>
+          </a:effectRef>
+          <a:fontRef idx="minor">
+            <a:schemeClr val="lt1"/>
+          </a:fontRef>
+        </p:style>
+        <p:txBody>
+          <a:bodyPr lIns="0" tIns="0" rIns="0" bIns="0" rtlCol="0" anchor="ctr"/>
+          <a:lstStyle/>
+          <a:p>
+            <a:pPr algn="ctr"/>
+            <a:r>
+              <a:rPr lang="en-US" sz="16600" dirty="0" smtClean="0">
+                <a:solidFill>
+                  <a:srgbClr val="EDE9E9"/>
+                </a:solidFill>
+                <a:latin typeface="Segoe UI Light" panose="020B0502040204020203" pitchFamily="34" charset="0"/>
+                <a:cs typeface="Arial" panose="020B0604020202020204" pitchFamily="34" charset="0"/>
+              </a:rPr>
+              <a:t>2</a:t>
+            </a:r>
+            <a:endParaRPr lang="ru-RU" sz="16600" dirty="0">
+              <a:solidFill>
+                <a:srgbClr val="EDE9E9"/>
+              </a:solidFill>
+              <a:latin typeface="Segoe UI Light" panose="020B0502040204020203" pitchFamily="34" charset="0"/>
+              <a:cs typeface="Arial" panose="020B0604020202020204" pitchFamily="34" charset="0"/>
+            </a:endParaRPr>
+          </a:p>
+        </p:txBody>
+      </p:sp>
+      <p:sp>
+        <p:nvSpPr>
+          <p:cNvPr id="9" name="Скругленный прямоугольник 8"/>
+          <p:cNvSpPr/>
+          <p:nvPr/>
+        </p:nvSpPr>
+        <p:spPr>
+          <a:xfrm>
+            <a:off x="146760" y="2564904"/>
+            <a:ext cx="2160000" cy="2160000"/>
+          </a:xfrm>
+          <a:prstGeom prst="roundRect">
+            <a:avLst/>
+          </a:prstGeom>
+          <a:noFill/>
+          <a:ln w="95250">
+            <a:solidFill>
+              <a:srgbClr val="EDE9E9"/>
+            </a:solidFill>
+          </a:ln>
+        </p:spPr>
+        <p:style>
+          <a:lnRef idx="2">
+            <a:schemeClr val="accent1">
+              <a:shade val="50000"/>
+            </a:schemeClr>
+          </a:lnRef>
+          <a:fillRef idx="1">
+            <a:schemeClr val="accent1"/>
+          </a:fillRef>
+          <a:effectRef idx="0">
+            <a:schemeClr val="accent1"/>
+          </a:effectRef>
+          <a:fontRef idx="minor">
+            <a:schemeClr val="lt1"/>
+          </a:fontRef>
+        </p:style>
+        <p:txBody>
+          <a:bodyPr lIns="0" tIns="0" rIns="0" bIns="0" rtlCol="0" anchor="ctr"/>
+          <a:lstStyle/>
+          <a:p>
+            <a:pPr algn="ctr"/>
+            <a:r>
+              <a:rPr lang="en-US" sz="16600" dirty="0" smtClean="0">
+                <a:solidFill>
+                  <a:srgbClr val="EDE9E9"/>
+                </a:solidFill>
+                <a:latin typeface="Segoe UI Light" panose="020B0502040204020203" pitchFamily="34" charset="0"/>
+                <a:cs typeface="Arial" panose="020B0604020202020204" pitchFamily="34" charset="0"/>
+              </a:rPr>
+              <a:t>3</a:t>
+            </a:r>
+            <a:endParaRPr lang="ru-RU" sz="16600" dirty="0">
+              <a:solidFill>
+                <a:srgbClr val="EDE9E9"/>
+              </a:solidFill>
+              <a:latin typeface="Segoe UI Light" panose="020B0502040204020203" pitchFamily="34" charset="0"/>
+              <a:cs typeface="Arial" panose="020B0604020202020204" pitchFamily="34" charset="0"/>
+            </a:endParaRPr>
+          </a:p>
+        </p:txBody>
+      </p:sp>
+      <p:sp>
+        <p:nvSpPr>
+          <p:cNvPr id="10" name="Скругленный прямоугольник 9"/>
+          <p:cNvSpPr/>
+          <p:nvPr/>
+        </p:nvSpPr>
+        <p:spPr>
+          <a:xfrm>
+            <a:off x="2558537" y="2564904"/>
+            <a:ext cx="2160000" cy="2160000"/>
+          </a:xfrm>
+          <a:prstGeom prst="roundRect">
+            <a:avLst/>
+          </a:prstGeom>
+          <a:noFill/>
+          <a:ln w="95250">
+            <a:solidFill>
+              <a:srgbClr val="EDE9E9"/>
+            </a:solidFill>
+          </a:ln>
+        </p:spPr>
+        <p:style>
+          <a:lnRef idx="2">
+            <a:schemeClr val="accent1">
+              <a:shade val="50000"/>
+            </a:schemeClr>
+          </a:lnRef>
+          <a:fillRef idx="1">
+            <a:schemeClr val="accent1"/>
+          </a:fillRef>
+          <a:effectRef idx="0">
+            <a:schemeClr val="accent1"/>
+          </a:effectRef>
+          <a:fontRef idx="minor">
+            <a:schemeClr val="lt1"/>
+          </a:fontRef>
+        </p:style>
+        <p:txBody>
+          <a:bodyPr lIns="0" tIns="0" rIns="0" bIns="0" rtlCol="0" anchor="ctr"/>
+          <a:lstStyle/>
+          <a:p>
+            <a:pPr algn="ctr"/>
+            <a:r>
+              <a:rPr lang="en-US" sz="16600" dirty="0" smtClean="0">
+                <a:solidFill>
+                  <a:srgbClr val="EDE9E9"/>
+                </a:solidFill>
+                <a:latin typeface="Segoe UI Light" panose="020B0502040204020203" pitchFamily="34" charset="0"/>
+                <a:cs typeface="Arial" panose="020B0604020202020204" pitchFamily="34" charset="0"/>
+              </a:rPr>
+              <a:t>4</a:t>
+            </a:r>
+            <a:endParaRPr lang="ru-RU" sz="16600" dirty="0">
+              <a:solidFill>
+                <a:srgbClr val="EDE9E9"/>
+              </a:solidFill>
+              <a:latin typeface="Segoe UI Light" panose="020B0502040204020203" pitchFamily="34" charset="0"/>
+              <a:cs typeface="Arial" panose="020B0604020202020204" pitchFamily="34" charset="0"/>
+            </a:endParaRPr>
+          </a:p>
+        </p:txBody>
+      </p:sp>
+      <p:sp>
+        <p:nvSpPr>
+          <p:cNvPr id="11" name="Скругленный прямоугольник 10"/>
+          <p:cNvSpPr/>
+          <p:nvPr/>
+        </p:nvSpPr>
+        <p:spPr>
+          <a:xfrm>
+            <a:off x="4969956" y="2564904"/>
+            <a:ext cx="2160000" cy="2160000"/>
+          </a:xfrm>
+          <a:prstGeom prst="roundRect">
+            <a:avLst/>
+          </a:prstGeom>
+          <a:noFill/>
+          <a:ln w="95250">
+            <a:solidFill>
+              <a:srgbClr val="EDE9E9"/>
+            </a:solidFill>
+          </a:ln>
+        </p:spPr>
+        <p:style>
+          <a:lnRef idx="2">
+            <a:schemeClr val="accent1">
+              <a:shade val="50000"/>
+            </a:schemeClr>
+          </a:lnRef>
+          <a:fillRef idx="1">
+            <a:schemeClr val="accent1"/>
+          </a:fillRef>
+          <a:effectRef idx="0">
+            <a:schemeClr val="accent1"/>
+          </a:effectRef>
+          <a:fontRef idx="minor">
+            <a:schemeClr val="lt1"/>
+          </a:fontRef>
+        </p:style>
+        <p:txBody>
+          <a:bodyPr lIns="0" tIns="0" rIns="0" bIns="0" rtlCol="0" anchor="ctr"/>
+          <a:lstStyle/>
+          <a:p>
+            <a:pPr algn="ctr"/>
+            <a:r>
+              <a:rPr lang="en-US" sz="16600" dirty="0" smtClean="0">
+                <a:solidFill>
+                  <a:srgbClr val="EDE9E9"/>
+                </a:solidFill>
+                <a:latin typeface="Segoe UI Light" panose="020B0502040204020203" pitchFamily="34" charset="0"/>
+                <a:cs typeface="Arial" panose="020B0604020202020204" pitchFamily="34" charset="0"/>
+              </a:rPr>
+              <a:t>5</a:t>
+            </a:r>
+            <a:endParaRPr lang="ru-RU" sz="16600" dirty="0">
+              <a:solidFill>
+                <a:srgbClr val="EDE9E9"/>
+              </a:solidFill>
+              <a:latin typeface="Segoe UI Light" panose="020B0502040204020203" pitchFamily="34" charset="0"/>
+              <a:cs typeface="Arial" panose="020B0604020202020204" pitchFamily="34" charset="0"/>
+            </a:endParaRPr>
+          </a:p>
+        </p:txBody>
+      </p:sp>
+      <p:sp>
+        <p:nvSpPr>
+          <p:cNvPr id="15" name="Скругленный прямоугольник 14"/>
+          <p:cNvSpPr/>
+          <p:nvPr/>
+        </p:nvSpPr>
+        <p:spPr>
+          <a:xfrm>
+            <a:off x="144000" y="5013176"/>
+            <a:ext cx="2160000" cy="2160000"/>
+          </a:xfrm>
+          <a:prstGeom prst="roundRect">
+            <a:avLst/>
+          </a:prstGeom>
+          <a:noFill/>
+          <a:ln w="95250">
+            <a:solidFill>
+              <a:srgbClr val="EDE9E9"/>
+            </a:solidFill>
+          </a:ln>
+        </p:spPr>
+        <p:style>
+          <a:lnRef idx="2">
+            <a:schemeClr val="accent1">
+              <a:shade val="50000"/>
+            </a:schemeClr>
+          </a:lnRef>
+          <a:fillRef idx="1">
+            <a:schemeClr val="accent1"/>
+          </a:fillRef>
+          <a:effectRef idx="0">
+            <a:schemeClr val="accent1"/>
+          </a:effectRef>
+          <a:fontRef idx="minor">
+            <a:schemeClr val="lt1"/>
+          </a:fontRef>
+        </p:style>
+        <p:txBody>
+          <a:bodyPr lIns="0" tIns="0" rIns="0" bIns="0" rtlCol="0" anchor="ctr"/>
+          <a:lstStyle/>
+          <a:p>
+            <a:pPr algn="ctr"/>
+            <a:r>
+              <a:rPr lang="en-US" sz="16600" dirty="0" smtClean="0">
+                <a:solidFill>
+                  <a:srgbClr val="EDE9E9"/>
+                </a:solidFill>
+                <a:latin typeface="Segoe UI Light" panose="020B0502040204020203" pitchFamily="34" charset="0"/>
+                <a:cs typeface="Arial" panose="020B0604020202020204" pitchFamily="34" charset="0"/>
+              </a:rPr>
+              <a:t>6</a:t>
+            </a:r>
+            <a:endParaRPr lang="ru-RU" sz="16600" dirty="0">
+              <a:solidFill>
+                <a:srgbClr val="EDE9E9"/>
+              </a:solidFill>
+              <a:latin typeface="Segoe UI Light" panose="020B0502040204020203" pitchFamily="34" charset="0"/>
+              <a:cs typeface="Arial" panose="020B0604020202020204" pitchFamily="34" charset="0"/>
+            </a:endParaRPr>
+          </a:p>
+        </p:txBody>
+      </p:sp>
+      <p:sp>
+        <p:nvSpPr>
+          <p:cNvPr id="16" name="Скругленный прямоугольник 15"/>
+          <p:cNvSpPr/>
+          <p:nvPr/>
+        </p:nvSpPr>
+        <p:spPr>
+          <a:xfrm>
+            <a:off x="2555776" y="5013176"/>
+            <a:ext cx="2160000" cy="2160000"/>
+          </a:xfrm>
+          <a:prstGeom prst="roundRect">
+            <a:avLst/>
+          </a:prstGeom>
+          <a:noFill/>
+          <a:ln w="95250">
+            <a:solidFill>
+              <a:srgbClr val="EDE9E9"/>
+            </a:solidFill>
+          </a:ln>
+        </p:spPr>
+        <p:style>
+          <a:lnRef idx="2">
+            <a:schemeClr val="accent1">
+              <a:shade val="50000"/>
+            </a:schemeClr>
+          </a:lnRef>
+          <a:fillRef idx="1">
+            <a:schemeClr val="accent1"/>
+          </a:fillRef>
+          <a:effectRef idx="0">
+            <a:schemeClr val="accent1"/>
+          </a:effectRef>
+          <a:fontRef idx="minor">
+            <a:schemeClr val="lt1"/>
+          </a:fontRef>
+        </p:style>
+        <p:txBody>
+          <a:bodyPr lIns="0" tIns="0" rIns="0" bIns="0" rtlCol="0" anchor="ctr"/>
+          <a:lstStyle/>
+          <a:p>
+            <a:pPr algn="ctr"/>
+            <a:r>
+              <a:rPr lang="en-US" sz="16600" dirty="0" smtClean="0">
+                <a:solidFill>
+                  <a:srgbClr val="EDE9E9"/>
+                </a:solidFill>
+                <a:latin typeface="Segoe UI Light" panose="020B0502040204020203" pitchFamily="34" charset="0"/>
+                <a:cs typeface="Arial" panose="020B0604020202020204" pitchFamily="34" charset="0"/>
+              </a:rPr>
+              <a:t>7</a:t>
+            </a:r>
+            <a:endParaRPr lang="ru-RU" sz="16600" dirty="0">
+              <a:solidFill>
+                <a:srgbClr val="EDE9E9"/>
+              </a:solidFill>
+              <a:latin typeface="Segoe UI Light" panose="020B0502040204020203" pitchFamily="34" charset="0"/>
+              <a:cs typeface="Arial" panose="020B0604020202020204" pitchFamily="34" charset="0"/>
+            </a:endParaRPr>
+          </a:p>
+        </p:txBody>
+      </p:sp>
+      <p:sp>
+        <p:nvSpPr>
+          <p:cNvPr id="17" name="Скругленный прямоугольник 16"/>
+          <p:cNvSpPr/>
+          <p:nvPr/>
+        </p:nvSpPr>
+        <p:spPr>
+          <a:xfrm>
+            <a:off x="4967196" y="5013176"/>
+            <a:ext cx="2160000" cy="2160000"/>
+          </a:xfrm>
+          <a:prstGeom prst="roundRect">
+            <a:avLst/>
+          </a:prstGeom>
+          <a:noFill/>
+          <a:ln w="95250">
+            <a:solidFill>
+              <a:srgbClr val="EDE9E9"/>
+            </a:solidFill>
+          </a:ln>
+        </p:spPr>
+        <p:style>
+          <a:lnRef idx="2">
+            <a:schemeClr val="accent1">
+              <a:shade val="50000"/>
+            </a:schemeClr>
+          </a:lnRef>
+          <a:fillRef idx="1">
+            <a:schemeClr val="accent1"/>
+          </a:fillRef>
+          <a:effectRef idx="0">
+            <a:schemeClr val="accent1"/>
+          </a:effectRef>
+          <a:fontRef idx="minor">
+            <a:schemeClr val="lt1"/>
+          </a:fontRef>
+        </p:style>
+        <p:txBody>
+          <a:bodyPr lIns="0" tIns="0" rIns="0" bIns="0" rtlCol="0" anchor="ctr"/>
+          <a:lstStyle/>
+          <a:p>
+            <a:pPr algn="ctr"/>
+            <a:r>
+              <a:rPr lang="en-US" sz="16600" dirty="0" smtClean="0">
+                <a:solidFill>
+                  <a:srgbClr val="EDE9E9"/>
+                </a:solidFill>
+                <a:latin typeface="Segoe UI Light" panose="020B0502040204020203" pitchFamily="34" charset="0"/>
+                <a:cs typeface="Arial" panose="020B0604020202020204" pitchFamily="34" charset="0"/>
+              </a:rPr>
+              <a:t>8</a:t>
+            </a:r>
+            <a:endParaRPr lang="ru-RU" sz="16600" dirty="0">
+              <a:solidFill>
+                <a:srgbClr val="EDE9E9"/>
+              </a:solidFill>
+              <a:latin typeface="Segoe UI Light" panose="020B0502040204020203" pitchFamily="34" charset="0"/>
+              <a:cs typeface="Arial" panose="020B0604020202020204" pitchFamily="34" charset="0"/>
+            </a:endParaRPr>
+          </a:p>
+        </p:txBody>
+      </p:sp>
+      <p:sp>
+        <p:nvSpPr>
+          <p:cNvPr id="18" name="Скругленный прямоугольник 17"/>
+          <p:cNvSpPr/>
+          <p:nvPr/>
+        </p:nvSpPr>
+        <p:spPr>
+          <a:xfrm>
+            <a:off x="144000" y="7461448"/>
+            <a:ext cx="2160000" cy="2160000"/>
+          </a:xfrm>
+          <a:prstGeom prst="roundRect">
+            <a:avLst/>
+          </a:prstGeom>
+          <a:noFill/>
+          <a:ln w="95250">
+            <a:solidFill>
+              <a:srgbClr val="EDE9E9"/>
+            </a:solidFill>
+          </a:ln>
+        </p:spPr>
+        <p:style>
+          <a:lnRef idx="2">
+            <a:schemeClr val="accent1">
+              <a:shade val="50000"/>
+            </a:schemeClr>
+          </a:lnRef>
+          <a:fillRef idx="1">
+            <a:schemeClr val="accent1"/>
+          </a:fillRef>
+          <a:effectRef idx="0">
+            <a:schemeClr val="accent1"/>
+          </a:effectRef>
+          <a:fontRef idx="minor">
+            <a:schemeClr val="lt1"/>
+          </a:fontRef>
+        </p:style>
+        <p:txBody>
+          <a:bodyPr lIns="0" tIns="0" rIns="0" bIns="0" rtlCol="0" anchor="ctr"/>
+          <a:lstStyle/>
+          <a:p>
+            <a:pPr algn="ctr"/>
+            <a:r>
+              <a:rPr lang="en-US" sz="16600" dirty="0" smtClean="0">
+                <a:solidFill>
+                  <a:srgbClr val="EDE9E9"/>
+                </a:solidFill>
+                <a:latin typeface="Segoe UI Light" panose="020B0502040204020203" pitchFamily="34" charset="0"/>
+                <a:cs typeface="Arial" panose="020B0604020202020204" pitchFamily="34" charset="0"/>
+              </a:rPr>
+              <a:t>9</a:t>
+            </a:r>
+            <a:endParaRPr lang="ru-RU" sz="16600" dirty="0">
+              <a:solidFill>
+                <a:srgbClr val="EDE9E9"/>
+              </a:solidFill>
+              <a:latin typeface="Segoe UI Light" panose="020B0502040204020203" pitchFamily="34" charset="0"/>
+              <a:cs typeface="Arial" panose="020B0604020202020204" pitchFamily="34" charset="0"/>
+            </a:endParaRPr>
+          </a:p>
+        </p:txBody>
+      </p:sp>
+    </p:spTree>
+    <p:extLst>
+      <p:ext uri="{BB962C8B-B14F-4D97-AF65-F5344CB8AC3E}">
+        <p14:creationId xmlns:p14="http://schemas.microsoft.com/office/powerpoint/2010/main" val="1098936049"/>
       </p:ext>
     </p:extLst>
   </p:cSld>
